--- a/Capstone 1.pptx
+++ b/Capstone 1.pptx
@@ -6,11 +6,12 @@
   </p:sldMasterIdLst>
   <p:sldIdLst>
     <p:sldId id="256" r:id="rId2"/>
-    <p:sldId id="259" r:id="rId3"/>
-    <p:sldId id="257" r:id="rId4"/>
-    <p:sldId id="260" r:id="rId5"/>
-    <p:sldId id="261" r:id="rId6"/>
-    <p:sldId id="258" r:id="rId7"/>
+    <p:sldId id="262" r:id="rId3"/>
+    <p:sldId id="259" r:id="rId4"/>
+    <p:sldId id="257" r:id="rId5"/>
+    <p:sldId id="260" r:id="rId6"/>
+    <p:sldId id="261" r:id="rId7"/>
+    <p:sldId id="258" r:id="rId8"/>
   </p:sldIdLst>
   <p:sldSz cx="12192000" cy="6858000"/>
   <p:notesSz cx="6858000" cy="9144000"/>
@@ -264,7 +265,7 @@
           <a:p>
             <a:fld id="{99030682-8FDD-48D5-9999-7CA03B4A3845}" type="datetimeFigureOut">
               <a:rPr lang="en-US" smtClean="0"/>
-              <a:t>7/15/2020</a:t>
+              <a:t>7/20/2020</a:t>
             </a:fld>
             <a:endParaRPr lang="en-US"/>
           </a:p>
@@ -462,7 +463,7 @@
           <a:p>
             <a:fld id="{99030682-8FDD-48D5-9999-7CA03B4A3845}" type="datetimeFigureOut">
               <a:rPr lang="en-US" smtClean="0"/>
-              <a:t>7/15/2020</a:t>
+              <a:t>7/20/2020</a:t>
             </a:fld>
             <a:endParaRPr lang="en-US"/>
           </a:p>
@@ -670,7 +671,7 @@
           <a:p>
             <a:fld id="{99030682-8FDD-48D5-9999-7CA03B4A3845}" type="datetimeFigureOut">
               <a:rPr lang="en-US" smtClean="0"/>
-              <a:t>7/15/2020</a:t>
+              <a:t>7/20/2020</a:t>
             </a:fld>
             <a:endParaRPr lang="en-US"/>
           </a:p>
@@ -868,7 +869,7 @@
           <a:p>
             <a:fld id="{99030682-8FDD-48D5-9999-7CA03B4A3845}" type="datetimeFigureOut">
               <a:rPr lang="en-US" smtClean="0"/>
-              <a:t>7/15/2020</a:t>
+              <a:t>7/20/2020</a:t>
             </a:fld>
             <a:endParaRPr lang="en-US"/>
           </a:p>
@@ -1143,7 +1144,7 @@
           <a:p>
             <a:fld id="{99030682-8FDD-48D5-9999-7CA03B4A3845}" type="datetimeFigureOut">
               <a:rPr lang="en-US" smtClean="0"/>
-              <a:t>7/15/2020</a:t>
+              <a:t>7/20/2020</a:t>
             </a:fld>
             <a:endParaRPr lang="en-US"/>
           </a:p>
@@ -1408,7 +1409,7 @@
           <a:p>
             <a:fld id="{99030682-8FDD-48D5-9999-7CA03B4A3845}" type="datetimeFigureOut">
               <a:rPr lang="en-US" smtClean="0"/>
-              <a:t>7/15/2020</a:t>
+              <a:t>7/20/2020</a:t>
             </a:fld>
             <a:endParaRPr lang="en-US"/>
           </a:p>
@@ -1820,7 +1821,7 @@
           <a:p>
             <a:fld id="{99030682-8FDD-48D5-9999-7CA03B4A3845}" type="datetimeFigureOut">
               <a:rPr lang="en-US" smtClean="0"/>
-              <a:t>7/15/2020</a:t>
+              <a:t>7/20/2020</a:t>
             </a:fld>
             <a:endParaRPr lang="en-US"/>
           </a:p>
@@ -1961,7 +1962,7 @@
           <a:p>
             <a:fld id="{99030682-8FDD-48D5-9999-7CA03B4A3845}" type="datetimeFigureOut">
               <a:rPr lang="en-US" smtClean="0"/>
-              <a:t>7/15/2020</a:t>
+              <a:t>7/20/2020</a:t>
             </a:fld>
             <a:endParaRPr lang="en-US"/>
           </a:p>
@@ -2074,7 +2075,7 @@
           <a:p>
             <a:fld id="{99030682-8FDD-48D5-9999-7CA03B4A3845}" type="datetimeFigureOut">
               <a:rPr lang="en-US" smtClean="0"/>
-              <a:t>7/15/2020</a:t>
+              <a:t>7/20/2020</a:t>
             </a:fld>
             <a:endParaRPr lang="en-US"/>
           </a:p>
@@ -2385,7 +2386,7 @@
           <a:p>
             <a:fld id="{99030682-8FDD-48D5-9999-7CA03B4A3845}" type="datetimeFigureOut">
               <a:rPr lang="en-US" smtClean="0"/>
-              <a:t>7/15/2020</a:t>
+              <a:t>7/20/2020</a:t>
             </a:fld>
             <a:endParaRPr lang="en-US"/>
           </a:p>
@@ -2673,7 +2674,7 @@
           <a:p>
             <a:fld id="{99030682-8FDD-48D5-9999-7CA03B4A3845}" type="datetimeFigureOut">
               <a:rPr lang="en-US" smtClean="0"/>
-              <a:t>7/15/2020</a:t>
+              <a:t>7/20/2020</a:t>
             </a:fld>
             <a:endParaRPr lang="en-US"/>
           </a:p>
@@ -2914,7 +2915,7 @@
           <a:p>
             <a:fld id="{99030682-8FDD-48D5-9999-7CA03B4A3845}" type="datetimeFigureOut">
               <a:rPr lang="en-US" smtClean="0"/>
-              <a:t>7/15/2020</a:t>
+              <a:t>7/20/2020</a:t>
             </a:fld>
             <a:endParaRPr lang="en-US"/>
           </a:p>
@@ -3419,7 +3420,7 @@
           <p:cNvPr id="2" name="Title 1">
             <a:extLst>
               <a:ext uri="{FF2B5EF4-FFF2-40B4-BE49-F238E27FC236}">
-                <a16:creationId xmlns:a16="http://schemas.microsoft.com/office/drawing/2014/main" id="{42A09F10-C85D-4F5E-B950-E990C4ADCACB}"/>
+                <a16:creationId xmlns:a16="http://schemas.microsoft.com/office/drawing/2014/main" id="{3904421B-0FB7-4146-8A3E-03FC315E1AAF}"/>
               </a:ext>
             </a:extLst>
           </p:cNvPr>
@@ -3437,7 +3438,7 @@
           <a:p>
             <a:r>
               <a:rPr lang="en-US" dirty="0"/>
-              <a:t>Data</a:t>
+              <a:t>Needle in a Haystack</a:t>
             </a:r>
           </a:p>
         </p:txBody>
@@ -3447,7 +3448,7 @@
           <p:cNvPr id="3" name="Content Placeholder 2">
             <a:extLst>
               <a:ext uri="{FF2B5EF4-FFF2-40B4-BE49-F238E27FC236}">
-                <a16:creationId xmlns:a16="http://schemas.microsoft.com/office/drawing/2014/main" id="{91F2B931-4B00-45FA-92C7-BD8061D10339}"/>
+                <a16:creationId xmlns:a16="http://schemas.microsoft.com/office/drawing/2014/main" id="{E0A780DF-6A72-4AB8-AB9C-B0B3BF15531C}"/>
               </a:ext>
             </a:extLst>
           </p:cNvPr>
@@ -3465,24 +3466,29 @@
           <a:p>
             <a:r>
               <a:rPr lang="en-US" dirty="0"/>
-              <a:t>Source:</a:t>
-            </a:r>
-          </a:p>
-          <a:p>
-            <a:r>
-              <a:rPr lang="en-US" dirty="0">
-                <a:hlinkClick r:id="rId2"/>
-              </a:rPr>
-              <a:t>https://www.kaggle.com/uciml/caravan-insurance-challenge</a:t>
-            </a:r>
-            <a:endParaRPr lang="en-US" dirty="0"/>
+              <a:t>Purpose of this project</a:t>
+            </a:r>
+          </a:p>
+          <a:p>
+            <a:pPr lvl="1"/>
+            <a:r>
+              <a:rPr lang="en-US" dirty="0"/>
+              <a:t>Seeking potential buyers of Caravan Insurance</a:t>
+            </a:r>
+          </a:p>
+          <a:p>
+            <a:pPr lvl="1"/>
+            <a:r>
+              <a:rPr lang="en-US" dirty="0"/>
+              <a:t>Who and why they may be at least interested</a:t>
+            </a:r>
           </a:p>
         </p:txBody>
       </p:sp>
     </p:spTree>
     <p:extLst>
       <p:ext uri="{BB962C8B-B14F-4D97-AF65-F5344CB8AC3E}">
-        <p14:creationId xmlns:p14="http://schemas.microsoft.com/office/powerpoint/2010/main" val="1250603079"/>
+        <p14:creationId xmlns:p14="http://schemas.microsoft.com/office/powerpoint/2010/main" val="3380627430"/>
       </p:ext>
     </p:extLst>
   </p:cSld>
@@ -3514,6 +3520,122 @@
           <p:cNvPr id="2" name="Title 1">
             <a:extLst>
               <a:ext uri="{FF2B5EF4-FFF2-40B4-BE49-F238E27FC236}">
+                <a16:creationId xmlns:a16="http://schemas.microsoft.com/office/drawing/2014/main" id="{42A09F10-C85D-4F5E-B950-E990C4ADCACB}"/>
+              </a:ext>
+            </a:extLst>
+          </p:cNvPr>
+          <p:cNvSpPr>
+            <a:spLocks noGrp="1"/>
+          </p:cNvSpPr>
+          <p:nvPr>
+            <p:ph type="title"/>
+          </p:nvPr>
+        </p:nvSpPr>
+        <p:spPr/>
+        <p:txBody>
+          <a:bodyPr/>
+          <a:lstStyle/>
+          <a:p>
+            <a:r>
+              <a:rPr lang="en-US" dirty="0"/>
+              <a:t>Data</a:t>
+            </a:r>
+          </a:p>
+        </p:txBody>
+      </p:sp>
+      <p:sp>
+        <p:nvSpPr>
+          <p:cNvPr id="3" name="Content Placeholder 2">
+            <a:extLst>
+              <a:ext uri="{FF2B5EF4-FFF2-40B4-BE49-F238E27FC236}">
+                <a16:creationId xmlns:a16="http://schemas.microsoft.com/office/drawing/2014/main" id="{91F2B931-4B00-45FA-92C7-BD8061D10339}"/>
+              </a:ext>
+            </a:extLst>
+          </p:cNvPr>
+          <p:cNvSpPr>
+            <a:spLocks noGrp="1"/>
+          </p:cNvSpPr>
+          <p:nvPr>
+            <p:ph idx="1"/>
+          </p:nvPr>
+        </p:nvSpPr>
+        <p:spPr/>
+        <p:txBody>
+          <a:bodyPr/>
+          <a:lstStyle/>
+          <a:p>
+            <a:r>
+              <a:rPr lang="en-US" dirty="0"/>
+              <a:t>Source: </a:t>
+            </a:r>
+            <a:r>
+              <a:rPr lang="en-US" dirty="0">
+                <a:hlinkClick r:id="rId2"/>
+              </a:rPr>
+              <a:t>https://www.kaggle.com/uciml/caravan-insurance-challenge</a:t>
+            </a:r>
+            <a:endParaRPr lang="en-US" dirty="0"/>
+          </a:p>
+          <a:p>
+            <a:r>
+              <a:rPr lang="en-US" dirty="0"/>
+              <a:t>Variables</a:t>
+            </a:r>
+          </a:p>
+          <a:p>
+            <a:pPr lvl="1"/>
+            <a:r>
+              <a:rPr lang="en-US" dirty="0"/>
+              <a:t>85 Variable</a:t>
+            </a:r>
+          </a:p>
+          <a:p>
+            <a:pPr lvl="1"/>
+            <a:r>
+              <a:rPr lang="en-US" dirty="0"/>
+              <a:t>Categorical Variables problem</a:t>
+            </a:r>
+          </a:p>
+          <a:p>
+            <a:endParaRPr lang="en-US" dirty="0"/>
+          </a:p>
+        </p:txBody>
+      </p:sp>
+    </p:spTree>
+    <p:extLst>
+      <p:ext uri="{BB962C8B-B14F-4D97-AF65-F5344CB8AC3E}">
+        <p14:creationId xmlns:p14="http://schemas.microsoft.com/office/powerpoint/2010/main" val="1250603079"/>
+      </p:ext>
+    </p:extLst>
+  </p:cSld>
+  <p:clrMapOvr>
+    <a:masterClrMapping/>
+  </p:clrMapOvr>
+</p:sld>
+</file>
+
+<file path=ppt/slides/slide4.xml><?xml version="1.0" encoding="utf-8"?>
+<p:sld xmlns:a="http://schemas.openxmlformats.org/drawingml/2006/main" xmlns:r="http://schemas.openxmlformats.org/officeDocument/2006/relationships" xmlns:p="http://schemas.openxmlformats.org/presentationml/2006/main">
+  <p:cSld>
+    <p:spTree>
+      <p:nvGrpSpPr>
+        <p:cNvPr id="1" name=""/>
+        <p:cNvGrpSpPr/>
+        <p:nvPr/>
+      </p:nvGrpSpPr>
+      <p:grpSpPr>
+        <a:xfrm>
+          <a:off x="0" y="0"/>
+          <a:ext cx="0" cy="0"/>
+          <a:chOff x="0" y="0"/>
+          <a:chExt cx="0" cy="0"/>
+        </a:xfrm>
+      </p:grpSpPr>
+      <p:sp>
+        <p:nvSpPr>
+          <p:cNvPr id="2" name="Title 1">
+            <a:extLst>
+              <a:ext uri="{FF2B5EF4-FFF2-40B4-BE49-F238E27FC236}">
                 <a16:creationId xmlns:a16="http://schemas.microsoft.com/office/drawing/2014/main" id="{2980AC27-19DA-4C73-92CC-3A834B491BDD}"/>
               </a:ext>
             </a:extLst>
@@ -3626,6 +3748,68 @@
           </a:extLst>
         </p:spPr>
       </p:pic>
+      <p:sp>
+        <p:nvSpPr>
+          <p:cNvPr id="4" name="TextBox 3">
+            <a:extLst>
+              <a:ext uri="{FF2B5EF4-FFF2-40B4-BE49-F238E27FC236}">
+                <a16:creationId xmlns:a16="http://schemas.microsoft.com/office/drawing/2014/main" id="{6B1B7198-B013-4D66-94B6-62214859F5ED}"/>
+              </a:ext>
+            </a:extLst>
+          </p:cNvPr>
+          <p:cNvSpPr txBox="1"/>
+          <p:nvPr/>
+        </p:nvSpPr>
+        <p:spPr>
+          <a:xfrm>
+            <a:off x="6376252" y="1828874"/>
+            <a:ext cx="5615276" cy="2308324"/>
+          </a:xfrm>
+          <a:prstGeom prst="rect">
+            <a:avLst/>
+          </a:prstGeom>
+          <a:noFill/>
+        </p:spPr>
+        <p:txBody>
+          <a:bodyPr wrap="square" rtlCol="0">
+            <a:spAutoFit/>
+          </a:bodyPr>
+          <a:lstStyle/>
+          <a:p>
+            <a:pPr marL="285750" indent="-285750">
+              <a:buFont typeface="Arial" panose="020B0604020202020204" pitchFamily="34" charset="0"/>
+              <a:buChar char="•"/>
+            </a:pPr>
+            <a:r>
+              <a:rPr lang="en-US" dirty="0"/>
+              <a:t> The pair plot shows how 1 variable may or may not correlate with the other</a:t>
+            </a:r>
+          </a:p>
+          <a:p>
+            <a:pPr marL="285750" indent="-285750">
+              <a:buFont typeface="Arial" panose="020B0604020202020204" pitchFamily="34" charset="0"/>
+              <a:buChar char="•"/>
+            </a:pPr>
+            <a:r>
+              <a:rPr lang="en-US" dirty="0"/>
+              <a:t> When a variable paired with itself, the histogram is produced instead</a:t>
+            </a:r>
+          </a:p>
+          <a:p>
+            <a:pPr marL="285750" indent="-285750">
+              <a:buFont typeface="Arial" panose="020B0604020202020204" pitchFamily="34" charset="0"/>
+              <a:buChar char="•"/>
+            </a:pPr>
+            <a:r>
+              <a:rPr lang="en-US" dirty="0"/>
+              <a:t>  The plot is showing groupings with observations with target variable = 0, in blue, or target variable = 1, in orange</a:t>
+            </a:r>
+          </a:p>
+          <a:p>
+            <a:endParaRPr lang="en-US" dirty="0"/>
+          </a:p>
+        </p:txBody>
+      </p:sp>
     </p:spTree>
     <p:extLst>
       <p:ext uri="{BB962C8B-B14F-4D97-AF65-F5344CB8AC3E}">
@@ -3639,7 +3823,7 @@
 </p:sld>
 </file>
 
-<file path=ppt/slides/slide4.xml><?xml version="1.0" encoding="utf-8"?>
+<file path=ppt/slides/slide5.xml><?xml version="1.0" encoding="utf-8"?>
 <p:sld xmlns:a="http://schemas.openxmlformats.org/drawingml/2006/main" xmlns:r="http://schemas.openxmlformats.org/officeDocument/2006/relationships" xmlns:p="http://schemas.openxmlformats.org/presentationml/2006/main">
   <p:cSld>
     <p:spTree>
@@ -3762,143 +3946,69 @@
           </a:extLst>
         </p:spPr>
       </p:pic>
-    </p:spTree>
-    <p:extLst>
-      <p:ext uri="{BB962C8B-B14F-4D97-AF65-F5344CB8AC3E}">
-        <p14:creationId xmlns:p14="http://schemas.microsoft.com/office/powerpoint/2010/main" val="1770309884"/>
-      </p:ext>
-    </p:extLst>
-  </p:cSld>
-  <p:clrMapOvr>
-    <a:masterClrMapping/>
-  </p:clrMapOvr>
-</p:sld>
-</file>
-
-<file path=ppt/slides/slide5.xml><?xml version="1.0" encoding="utf-8"?>
-<p:sld xmlns:a="http://schemas.openxmlformats.org/drawingml/2006/main" xmlns:r="http://schemas.openxmlformats.org/officeDocument/2006/relationships" xmlns:p="http://schemas.openxmlformats.org/presentationml/2006/main">
-  <p:cSld>
-    <p:spTree>
-      <p:nvGrpSpPr>
-        <p:cNvPr id="1" name=""/>
-        <p:cNvGrpSpPr/>
-        <p:nvPr/>
-      </p:nvGrpSpPr>
-      <p:grpSpPr>
-        <a:xfrm>
-          <a:off x="0" y="0"/>
-          <a:ext cx="0" cy="0"/>
-          <a:chOff x="0" y="0"/>
-          <a:chExt cx="0" cy="0"/>
-        </a:xfrm>
-      </p:grpSpPr>
-      <p:sp>
-        <p:nvSpPr>
-          <p:cNvPr id="2" name="Title 1">
-            <a:extLst>
-              <a:ext uri="{FF2B5EF4-FFF2-40B4-BE49-F238E27FC236}">
-                <a16:creationId xmlns:a16="http://schemas.microsoft.com/office/drawing/2014/main" id="{AFED83A0-040E-4B70-A0E3-909474D75AFB}"/>
-              </a:ext>
-            </a:extLst>
-          </p:cNvPr>
-          <p:cNvSpPr>
-            <a:spLocks noGrp="1"/>
-          </p:cNvSpPr>
-          <p:nvPr>
-            <p:ph type="title"/>
-          </p:nvPr>
-        </p:nvSpPr>
-        <p:spPr/>
-        <p:txBody>
-          <a:bodyPr/>
-          <a:lstStyle/>
-          <a:p>
-            <a:r>
-              <a:rPr lang="en-US" dirty="0"/>
-              <a:t>EDA</a:t>
-            </a:r>
-          </a:p>
-        </p:txBody>
-      </p:sp>
-      <p:sp>
-        <p:nvSpPr>
-          <p:cNvPr id="3" name="Content Placeholder 2">
-            <a:extLst>
-              <a:ext uri="{FF2B5EF4-FFF2-40B4-BE49-F238E27FC236}">
-                <a16:creationId xmlns:a16="http://schemas.microsoft.com/office/drawing/2014/main" id="{EB10882A-AA4E-4B48-BFD3-44C3458470B9}"/>
-              </a:ext>
-            </a:extLst>
-          </p:cNvPr>
-          <p:cNvSpPr>
-            <a:spLocks noGrp="1"/>
-          </p:cNvSpPr>
-          <p:nvPr>
-            <p:ph idx="1"/>
-          </p:nvPr>
-        </p:nvSpPr>
-        <p:spPr/>
-        <p:txBody>
-          <a:bodyPr/>
-          <a:lstStyle/>
-          <a:p>
-            <a:r>
-              <a:rPr lang="en-US" dirty="0"/>
-              <a:t>Bar Plot</a:t>
-            </a:r>
-          </a:p>
-        </p:txBody>
-      </p:sp>
-      <p:pic>
-        <p:nvPicPr>
-          <p:cNvPr id="3074" name="Picture 2">
-            <a:extLst>
-              <a:ext uri="{FF2B5EF4-FFF2-40B4-BE49-F238E27FC236}">
-                <a16:creationId xmlns:a16="http://schemas.microsoft.com/office/drawing/2014/main" id="{1FAD4F83-9509-4F63-95B3-340E979442F2}"/>
-              </a:ext>
-            </a:extLst>
-          </p:cNvPr>
-          <p:cNvPicPr>
-            <a:picLocks noChangeAspect="1" noChangeArrowheads="1"/>
-          </p:cNvPicPr>
+      <p:sp>
+        <p:nvSpPr>
+          <p:cNvPr id="4" name="TextBox 3">
+            <a:extLst>
+              <a:ext uri="{FF2B5EF4-FFF2-40B4-BE49-F238E27FC236}">
+                <a16:creationId xmlns:a16="http://schemas.microsoft.com/office/drawing/2014/main" id="{7EF9CB94-BF9E-492A-92E0-9CA5EBD3EF97}"/>
+              </a:ext>
+            </a:extLst>
+          </p:cNvPr>
+          <p:cNvSpPr txBox="1"/>
           <p:nvPr/>
-        </p:nvPicPr>
-        <p:blipFill>
-          <a:blip r:embed="rId2">
-            <a:extLst>
-              <a:ext uri="{28A0092B-C50C-407E-A947-70E740481C1C}">
-                <a14:useLocalDpi xmlns:a14="http://schemas.microsoft.com/office/drawing/2010/main" val="0"/>
-              </a:ext>
-            </a:extLst>
-          </a:blip>
-          <a:srcRect/>
-          <a:stretch>
-            <a:fillRect/>
-          </a:stretch>
-        </p:blipFill>
-        <p:spPr bwMode="auto">
+        </p:nvSpPr>
+        <p:spPr>
           <a:xfrm>
-            <a:off x="3124200" y="2411487"/>
-            <a:ext cx="5943600" cy="3438525"/>
+            <a:off x="6965140" y="2595915"/>
+            <a:ext cx="4449773" cy="1477328"/>
           </a:xfrm>
           <a:prstGeom prst="rect">
             <a:avLst/>
           </a:prstGeom>
           <a:noFill/>
-          <a:extLst>
-            <a:ext uri="{909E8E84-426E-40DD-AFC4-6F175D3DCCD1}">
-              <a14:hiddenFill xmlns:a14="http://schemas.microsoft.com/office/drawing/2010/main">
-                <a:solidFill>
-                  <a:srgbClr val="FFFFFF"/>
-                </a:solidFill>
-              </a14:hiddenFill>
-            </a:ext>
-          </a:extLst>
         </p:spPr>
-      </p:pic>
+        <p:txBody>
+          <a:bodyPr wrap="square" rtlCol="0">
+            <a:spAutoFit/>
+          </a:bodyPr>
+          <a:lstStyle/>
+          <a:p>
+            <a:pPr marL="285750" indent="-285750">
+              <a:buFont typeface="Arial" panose="020B0604020202020204" pitchFamily="34" charset="0"/>
+              <a:buChar char="•"/>
+            </a:pPr>
+            <a:r>
+              <a:rPr lang="en-US" dirty="0"/>
+              <a:t>Exploring data with histograms</a:t>
+            </a:r>
+          </a:p>
+          <a:p>
+            <a:pPr marL="285750" indent="-285750">
+              <a:buFont typeface="Arial" panose="020B0604020202020204" pitchFamily="34" charset="0"/>
+              <a:buChar char="•"/>
+            </a:pPr>
+            <a:r>
+              <a:rPr lang="en-US" dirty="0"/>
+              <a:t>Look closer by variable</a:t>
+            </a:r>
+          </a:p>
+          <a:p>
+            <a:pPr marL="285750" indent="-285750">
+              <a:buFont typeface="Arial" panose="020B0604020202020204" pitchFamily="34" charset="0"/>
+              <a:buChar char="•"/>
+            </a:pPr>
+            <a:r>
+              <a:rPr lang="en-US" dirty="0"/>
+              <a:t>Trying to see if visually there’s a noticeable difference those who have Caravan Insurance to those who don’t</a:t>
+            </a:r>
+          </a:p>
+        </p:txBody>
+      </p:sp>
     </p:spTree>
     <p:extLst>
       <p:ext uri="{BB962C8B-B14F-4D97-AF65-F5344CB8AC3E}">
-        <p14:creationId xmlns:p14="http://schemas.microsoft.com/office/powerpoint/2010/main" val="2930594308"/>
+        <p14:creationId xmlns:p14="http://schemas.microsoft.com/office/powerpoint/2010/main" val="1770309884"/>
       </p:ext>
     </p:extLst>
   </p:cSld>
@@ -3930,6 +4040,188 @@
           <p:cNvPr id="2" name="Title 1">
             <a:extLst>
               <a:ext uri="{FF2B5EF4-FFF2-40B4-BE49-F238E27FC236}">
+                <a16:creationId xmlns:a16="http://schemas.microsoft.com/office/drawing/2014/main" id="{AFED83A0-040E-4B70-A0E3-909474D75AFB}"/>
+              </a:ext>
+            </a:extLst>
+          </p:cNvPr>
+          <p:cNvSpPr>
+            <a:spLocks noGrp="1"/>
+          </p:cNvSpPr>
+          <p:nvPr>
+            <p:ph type="title"/>
+          </p:nvPr>
+        </p:nvSpPr>
+        <p:spPr/>
+        <p:txBody>
+          <a:bodyPr/>
+          <a:lstStyle/>
+          <a:p>
+            <a:r>
+              <a:rPr lang="en-US" dirty="0"/>
+              <a:t>EDA</a:t>
+            </a:r>
+          </a:p>
+        </p:txBody>
+      </p:sp>
+      <p:sp>
+        <p:nvSpPr>
+          <p:cNvPr id="3" name="Content Placeholder 2">
+            <a:extLst>
+              <a:ext uri="{FF2B5EF4-FFF2-40B4-BE49-F238E27FC236}">
+                <a16:creationId xmlns:a16="http://schemas.microsoft.com/office/drawing/2014/main" id="{EB10882A-AA4E-4B48-BFD3-44C3458470B9}"/>
+              </a:ext>
+            </a:extLst>
+          </p:cNvPr>
+          <p:cNvSpPr>
+            <a:spLocks noGrp="1"/>
+          </p:cNvSpPr>
+          <p:nvPr>
+            <p:ph idx="1"/>
+          </p:nvPr>
+        </p:nvSpPr>
+        <p:spPr/>
+        <p:txBody>
+          <a:bodyPr/>
+          <a:lstStyle/>
+          <a:p>
+            <a:r>
+              <a:rPr lang="en-US" dirty="0"/>
+              <a:t>Bar Plot</a:t>
+            </a:r>
+          </a:p>
+        </p:txBody>
+      </p:sp>
+      <p:pic>
+        <p:nvPicPr>
+          <p:cNvPr id="3074" name="Picture 2">
+            <a:extLst>
+              <a:ext uri="{FF2B5EF4-FFF2-40B4-BE49-F238E27FC236}">
+                <a16:creationId xmlns:a16="http://schemas.microsoft.com/office/drawing/2014/main" id="{1FAD4F83-9509-4F63-95B3-340E979442F2}"/>
+              </a:ext>
+            </a:extLst>
+          </p:cNvPr>
+          <p:cNvPicPr>
+            <a:picLocks noChangeAspect="1" noChangeArrowheads="1"/>
+          </p:cNvPicPr>
+          <p:nvPr/>
+        </p:nvPicPr>
+        <p:blipFill>
+          <a:blip r:embed="rId2">
+            <a:extLst>
+              <a:ext uri="{28A0092B-C50C-407E-A947-70E740481C1C}">
+                <a14:useLocalDpi xmlns:a14="http://schemas.microsoft.com/office/drawing/2010/main" val="0"/>
+              </a:ext>
+            </a:extLst>
+          </a:blip>
+          <a:srcRect/>
+          <a:stretch>
+            <a:fillRect/>
+          </a:stretch>
+        </p:blipFill>
+        <p:spPr bwMode="auto">
+          <a:xfrm>
+            <a:off x="601929" y="2552636"/>
+            <a:ext cx="5943600" cy="3438525"/>
+          </a:xfrm>
+          <a:prstGeom prst="rect">
+            <a:avLst/>
+          </a:prstGeom>
+          <a:noFill/>
+          <a:extLst>
+            <a:ext uri="{909E8E84-426E-40DD-AFC4-6F175D3DCCD1}">
+              <a14:hiddenFill xmlns:a14="http://schemas.microsoft.com/office/drawing/2010/main">
+                <a:solidFill>
+                  <a:srgbClr val="FFFFFF"/>
+                </a:solidFill>
+              </a14:hiddenFill>
+            </a:ext>
+          </a:extLst>
+        </p:spPr>
+      </p:pic>
+      <p:sp>
+        <p:nvSpPr>
+          <p:cNvPr id="4" name="TextBox 3">
+            <a:extLst>
+              <a:ext uri="{FF2B5EF4-FFF2-40B4-BE49-F238E27FC236}">
+                <a16:creationId xmlns:a16="http://schemas.microsoft.com/office/drawing/2014/main" id="{BEA5787C-DDE3-4FB5-8B6B-6940C655B992}"/>
+              </a:ext>
+            </a:extLst>
+          </p:cNvPr>
+          <p:cNvSpPr txBox="1"/>
+          <p:nvPr/>
+        </p:nvSpPr>
+        <p:spPr>
+          <a:xfrm>
+            <a:off x="7131093" y="2258384"/>
+            <a:ext cx="4160826" cy="1200329"/>
+          </a:xfrm>
+          <a:prstGeom prst="rect">
+            <a:avLst/>
+          </a:prstGeom>
+          <a:noFill/>
+        </p:spPr>
+        <p:txBody>
+          <a:bodyPr wrap="square" rtlCol="0">
+            <a:spAutoFit/>
+          </a:bodyPr>
+          <a:lstStyle/>
+          <a:p>
+            <a:pPr marL="285750" indent="-285750">
+              <a:buFont typeface="Arial" panose="020B0604020202020204" pitchFamily="34" charset="0"/>
+              <a:buChar char="•"/>
+            </a:pPr>
+            <a:r>
+              <a:rPr lang="en-US" dirty="0"/>
+              <a:t>Another perspective to explore data</a:t>
+            </a:r>
+          </a:p>
+          <a:p>
+            <a:pPr marL="285750" indent="-285750">
+              <a:buFont typeface="Arial" panose="020B0604020202020204" pitchFamily="34" charset="0"/>
+              <a:buChar char="•"/>
+            </a:pPr>
+            <a:r>
+              <a:rPr lang="en-US" dirty="0"/>
+              <a:t>Looking at the mean proportion to see if there’s a difference by class within a given variable</a:t>
+            </a:r>
+          </a:p>
+        </p:txBody>
+      </p:sp>
+    </p:spTree>
+    <p:extLst>
+      <p:ext uri="{BB962C8B-B14F-4D97-AF65-F5344CB8AC3E}">
+        <p14:creationId xmlns:p14="http://schemas.microsoft.com/office/powerpoint/2010/main" val="2930594308"/>
+      </p:ext>
+    </p:extLst>
+  </p:cSld>
+  <p:clrMapOvr>
+    <a:masterClrMapping/>
+  </p:clrMapOvr>
+</p:sld>
+</file>
+
+<file path=ppt/slides/slide7.xml><?xml version="1.0" encoding="utf-8"?>
+<p:sld xmlns:a="http://schemas.openxmlformats.org/drawingml/2006/main" xmlns:r="http://schemas.openxmlformats.org/officeDocument/2006/relationships" xmlns:p="http://schemas.openxmlformats.org/presentationml/2006/main">
+  <p:cSld>
+    <p:spTree>
+      <p:nvGrpSpPr>
+        <p:cNvPr id="1" name=""/>
+        <p:cNvGrpSpPr/>
+        <p:nvPr/>
+      </p:nvGrpSpPr>
+      <p:grpSpPr>
+        <a:xfrm>
+          <a:off x="0" y="0"/>
+          <a:ext cx="0" cy="0"/>
+          <a:chOff x="0" y="0"/>
+          <a:chExt cx="0" cy="0"/>
+        </a:xfrm>
+      </p:grpSpPr>
+      <p:sp>
+        <p:nvSpPr>
+          <p:cNvPr id="2" name="Title 1">
+            <a:extLst>
+              <a:ext uri="{FF2B5EF4-FFF2-40B4-BE49-F238E27FC236}">
                 <a16:creationId xmlns:a16="http://schemas.microsoft.com/office/drawing/2014/main" id="{E3B148C3-EF4A-46FF-A9C1-5F9458C6E6C1}"/>
               </a:ext>
             </a:extLst>
@@ -3986,10 +4278,24 @@
             </a:r>
           </a:p>
           <a:p>
+            <a:pPr lvl="2" fontAlgn="base"/>
+            <a:r>
+              <a:rPr lang="en-US" dirty="0"/>
+              <a:t>Infer whether a variable has its mean estimate different from the overall mean</a:t>
+            </a:r>
+          </a:p>
+          <a:p>
             <a:pPr lvl="1" fontAlgn="base"/>
             <a:r>
               <a:rPr lang="en-US" dirty="0"/>
               <a:t>Bootstrap</a:t>
+            </a:r>
+          </a:p>
+          <a:p>
+            <a:pPr lvl="2" fontAlgn="base"/>
+            <a:r>
+              <a:rPr lang="en-US" dirty="0"/>
+              <a:t>Simulate the data and graphically represent</a:t>
             </a:r>
           </a:p>
           <a:p>

--- a/Capstone 1.pptx
+++ b/Capstone 1.pptx
@@ -12,6 +12,7 @@
     <p:sldId id="260" r:id="rId6"/>
     <p:sldId id="261" r:id="rId7"/>
     <p:sldId id="258" r:id="rId8"/>
+    <p:sldId id="263" r:id="rId9"/>
   </p:sldIdLst>
   <p:sldSz cx="12192000" cy="6858000"/>
   <p:notesSz cx="6858000" cy="9144000"/>
@@ -265,7 +266,7 @@
           <a:p>
             <a:fld id="{99030682-8FDD-48D5-9999-7CA03B4A3845}" type="datetimeFigureOut">
               <a:rPr lang="en-US" smtClean="0"/>
-              <a:t>7/20/2020</a:t>
+              <a:t>9/14/2020</a:t>
             </a:fld>
             <a:endParaRPr lang="en-US"/>
           </a:p>
@@ -463,7 +464,7 @@
           <a:p>
             <a:fld id="{99030682-8FDD-48D5-9999-7CA03B4A3845}" type="datetimeFigureOut">
               <a:rPr lang="en-US" smtClean="0"/>
-              <a:t>7/20/2020</a:t>
+              <a:t>9/14/2020</a:t>
             </a:fld>
             <a:endParaRPr lang="en-US"/>
           </a:p>
@@ -671,7 +672,7 @@
           <a:p>
             <a:fld id="{99030682-8FDD-48D5-9999-7CA03B4A3845}" type="datetimeFigureOut">
               <a:rPr lang="en-US" smtClean="0"/>
-              <a:t>7/20/2020</a:t>
+              <a:t>9/14/2020</a:t>
             </a:fld>
             <a:endParaRPr lang="en-US"/>
           </a:p>
@@ -869,7 +870,7 @@
           <a:p>
             <a:fld id="{99030682-8FDD-48D5-9999-7CA03B4A3845}" type="datetimeFigureOut">
               <a:rPr lang="en-US" smtClean="0"/>
-              <a:t>7/20/2020</a:t>
+              <a:t>9/14/2020</a:t>
             </a:fld>
             <a:endParaRPr lang="en-US"/>
           </a:p>
@@ -1144,7 +1145,7 @@
           <a:p>
             <a:fld id="{99030682-8FDD-48D5-9999-7CA03B4A3845}" type="datetimeFigureOut">
               <a:rPr lang="en-US" smtClean="0"/>
-              <a:t>7/20/2020</a:t>
+              <a:t>9/14/2020</a:t>
             </a:fld>
             <a:endParaRPr lang="en-US"/>
           </a:p>
@@ -1409,7 +1410,7 @@
           <a:p>
             <a:fld id="{99030682-8FDD-48D5-9999-7CA03B4A3845}" type="datetimeFigureOut">
               <a:rPr lang="en-US" smtClean="0"/>
-              <a:t>7/20/2020</a:t>
+              <a:t>9/14/2020</a:t>
             </a:fld>
             <a:endParaRPr lang="en-US"/>
           </a:p>
@@ -1821,7 +1822,7 @@
           <a:p>
             <a:fld id="{99030682-8FDD-48D5-9999-7CA03B4A3845}" type="datetimeFigureOut">
               <a:rPr lang="en-US" smtClean="0"/>
-              <a:t>7/20/2020</a:t>
+              <a:t>9/14/2020</a:t>
             </a:fld>
             <a:endParaRPr lang="en-US"/>
           </a:p>
@@ -1962,7 +1963,7 @@
           <a:p>
             <a:fld id="{99030682-8FDD-48D5-9999-7CA03B4A3845}" type="datetimeFigureOut">
               <a:rPr lang="en-US" smtClean="0"/>
-              <a:t>7/20/2020</a:t>
+              <a:t>9/14/2020</a:t>
             </a:fld>
             <a:endParaRPr lang="en-US"/>
           </a:p>
@@ -2075,7 +2076,7 @@
           <a:p>
             <a:fld id="{99030682-8FDD-48D5-9999-7CA03B4A3845}" type="datetimeFigureOut">
               <a:rPr lang="en-US" smtClean="0"/>
-              <a:t>7/20/2020</a:t>
+              <a:t>9/14/2020</a:t>
             </a:fld>
             <a:endParaRPr lang="en-US"/>
           </a:p>
@@ -2386,7 +2387,7 @@
           <a:p>
             <a:fld id="{99030682-8FDD-48D5-9999-7CA03B4A3845}" type="datetimeFigureOut">
               <a:rPr lang="en-US" smtClean="0"/>
-              <a:t>7/20/2020</a:t>
+              <a:t>9/14/2020</a:t>
             </a:fld>
             <a:endParaRPr lang="en-US"/>
           </a:p>
@@ -2674,7 +2675,7 @@
           <a:p>
             <a:fld id="{99030682-8FDD-48D5-9999-7CA03B4A3845}" type="datetimeFigureOut">
               <a:rPr lang="en-US" smtClean="0"/>
-              <a:t>7/20/2020</a:t>
+              <a:t>9/14/2020</a:t>
             </a:fld>
             <a:endParaRPr lang="en-US"/>
           </a:p>
@@ -2915,7 +2916,7 @@
           <a:p>
             <a:fld id="{99030682-8FDD-48D5-9999-7CA03B4A3845}" type="datetimeFigureOut">
               <a:rPr lang="en-US" smtClean="0"/>
-              <a:t>7/20/2020</a:t>
+              <a:t>9/14/2020</a:t>
             </a:fld>
             <a:endParaRPr lang="en-US"/>
           </a:p>
@@ -4316,6 +4317,89 @@
 </p:sld>
 </file>
 
+<file path=ppt/slides/slide8.xml><?xml version="1.0" encoding="utf-8"?>
+<p:sld xmlns:a="http://schemas.openxmlformats.org/drawingml/2006/main" xmlns:r="http://schemas.openxmlformats.org/officeDocument/2006/relationships" xmlns:p="http://schemas.openxmlformats.org/presentationml/2006/main">
+  <p:cSld>
+    <p:spTree>
+      <p:nvGrpSpPr>
+        <p:cNvPr id="1" name=""/>
+        <p:cNvGrpSpPr/>
+        <p:nvPr/>
+      </p:nvGrpSpPr>
+      <p:grpSpPr>
+        <a:xfrm>
+          <a:off x="0" y="0"/>
+          <a:ext cx="0" cy="0"/>
+          <a:chOff x="0" y="0"/>
+          <a:chExt cx="0" cy="0"/>
+        </a:xfrm>
+      </p:grpSpPr>
+      <p:sp>
+        <p:nvSpPr>
+          <p:cNvPr id="2" name="Title 1">
+            <a:extLst>
+              <a:ext uri="{FF2B5EF4-FFF2-40B4-BE49-F238E27FC236}">
+                <a16:creationId xmlns:a16="http://schemas.microsoft.com/office/drawing/2014/main" id="{09475CD3-B14A-475F-AC4F-2B4D76C7016B}"/>
+              </a:ext>
+            </a:extLst>
+          </p:cNvPr>
+          <p:cNvSpPr>
+            <a:spLocks noGrp="1"/>
+          </p:cNvSpPr>
+          <p:nvPr>
+            <p:ph type="title"/>
+          </p:nvPr>
+        </p:nvSpPr>
+        <p:spPr/>
+        <p:txBody>
+          <a:bodyPr/>
+          <a:lstStyle/>
+          <a:p>
+            <a:r>
+              <a:rPr lang="en-US" dirty="0"/>
+              <a:t>Machine Learning</a:t>
+            </a:r>
+          </a:p>
+        </p:txBody>
+      </p:sp>
+      <p:sp>
+        <p:nvSpPr>
+          <p:cNvPr id="3" name="Content Placeholder 2">
+            <a:extLst>
+              <a:ext uri="{FF2B5EF4-FFF2-40B4-BE49-F238E27FC236}">
+                <a16:creationId xmlns:a16="http://schemas.microsoft.com/office/drawing/2014/main" id="{93EB3892-2909-4F65-89E9-BAC614833E55}"/>
+              </a:ext>
+            </a:extLst>
+          </p:cNvPr>
+          <p:cNvSpPr>
+            <a:spLocks noGrp="1"/>
+          </p:cNvSpPr>
+          <p:nvPr>
+            <p:ph idx="1"/>
+          </p:nvPr>
+        </p:nvSpPr>
+        <p:spPr/>
+        <p:txBody>
+          <a:bodyPr/>
+          <a:lstStyle/>
+          <a:p>
+            <a:endParaRPr lang="en-US" dirty="0"/>
+          </a:p>
+        </p:txBody>
+      </p:sp>
+    </p:spTree>
+    <p:extLst>
+      <p:ext uri="{BB962C8B-B14F-4D97-AF65-F5344CB8AC3E}">
+        <p14:creationId xmlns:p14="http://schemas.microsoft.com/office/powerpoint/2010/main" val="1695048238"/>
+      </p:ext>
+    </p:extLst>
+  </p:cSld>
+  <p:clrMapOvr>
+    <a:masterClrMapping/>
+  </p:clrMapOvr>
+</p:sld>
+</file>
+
 <file path=ppt/theme/theme1.xml><?xml version="1.0" encoding="utf-8"?>
 <a:theme xmlns:a="http://schemas.openxmlformats.org/drawingml/2006/main" name="Office Theme">
   <a:themeElements>
